--- a/images/app-architecture.pptx
+++ b/images/app-architecture.pptx
@@ -259,7 +259,7 @@
           <a:p>
             <a:fld id="{786D7086-E99E-E348-AAB1-A6BE00A94F5D}" type="datetimeFigureOut">
               <a:rPr lang="en-US" smtClean="0"/>
-              <a:t>1/2/19</a:t>
+              <a:t>2/22/19</a:t>
             </a:fld>
             <a:endParaRPr lang="en-US"/>
           </a:p>
@@ -457,7 +457,7 @@
           <a:p>
             <a:fld id="{786D7086-E99E-E348-AAB1-A6BE00A94F5D}" type="datetimeFigureOut">
               <a:rPr lang="en-US" smtClean="0"/>
-              <a:t>1/2/19</a:t>
+              <a:t>2/22/19</a:t>
             </a:fld>
             <a:endParaRPr lang="en-US"/>
           </a:p>
@@ -665,7 +665,7 @@
           <a:p>
             <a:fld id="{786D7086-E99E-E348-AAB1-A6BE00A94F5D}" type="datetimeFigureOut">
               <a:rPr lang="en-US" smtClean="0"/>
-              <a:t>1/2/19</a:t>
+              <a:t>2/22/19</a:t>
             </a:fld>
             <a:endParaRPr lang="en-US"/>
           </a:p>
@@ -1005,7 +1005,7 @@
           <a:p>
             <a:fld id="{786D7086-E99E-E348-AAB1-A6BE00A94F5D}" type="datetimeFigureOut">
               <a:rPr lang="en-US" smtClean="0"/>
-              <a:t>1/2/19</a:t>
+              <a:t>2/22/19</a:t>
             </a:fld>
             <a:endParaRPr lang="en-US"/>
           </a:p>
@@ -1280,7 +1280,7 @@
           <a:p>
             <a:fld id="{786D7086-E99E-E348-AAB1-A6BE00A94F5D}" type="datetimeFigureOut">
               <a:rPr lang="en-US" smtClean="0"/>
-              <a:t>1/2/19</a:t>
+              <a:t>2/22/19</a:t>
             </a:fld>
             <a:endParaRPr lang="en-US"/>
           </a:p>
@@ -1545,7 +1545,7 @@
           <a:p>
             <a:fld id="{786D7086-E99E-E348-AAB1-A6BE00A94F5D}" type="datetimeFigureOut">
               <a:rPr lang="en-US" smtClean="0"/>
-              <a:t>1/2/19</a:t>
+              <a:t>2/22/19</a:t>
             </a:fld>
             <a:endParaRPr lang="en-US"/>
           </a:p>
@@ -1957,7 +1957,7 @@
           <a:p>
             <a:fld id="{786D7086-E99E-E348-AAB1-A6BE00A94F5D}" type="datetimeFigureOut">
               <a:rPr lang="en-US" smtClean="0"/>
-              <a:t>1/2/19</a:t>
+              <a:t>2/22/19</a:t>
             </a:fld>
             <a:endParaRPr lang="en-US"/>
           </a:p>
@@ -2098,7 +2098,7 @@
           <a:p>
             <a:fld id="{786D7086-E99E-E348-AAB1-A6BE00A94F5D}" type="datetimeFigureOut">
               <a:rPr lang="en-US" smtClean="0"/>
-              <a:t>1/2/19</a:t>
+              <a:t>2/22/19</a:t>
             </a:fld>
             <a:endParaRPr lang="en-US"/>
           </a:p>
@@ -2211,7 +2211,7 @@
           <a:p>
             <a:fld id="{786D7086-E99E-E348-AAB1-A6BE00A94F5D}" type="datetimeFigureOut">
               <a:rPr lang="en-US" smtClean="0"/>
-              <a:t>1/2/19</a:t>
+              <a:t>2/22/19</a:t>
             </a:fld>
             <a:endParaRPr lang="en-US"/>
           </a:p>
@@ -2522,7 +2522,7 @@
           <a:p>
             <a:fld id="{786D7086-E99E-E348-AAB1-A6BE00A94F5D}" type="datetimeFigureOut">
               <a:rPr lang="en-US" smtClean="0"/>
-              <a:t>1/2/19</a:t>
+              <a:t>2/22/19</a:t>
             </a:fld>
             <a:endParaRPr lang="en-US"/>
           </a:p>
@@ -2810,7 +2810,7 @@
           <a:p>
             <a:fld id="{786D7086-E99E-E348-AAB1-A6BE00A94F5D}" type="datetimeFigureOut">
               <a:rPr lang="en-US" smtClean="0"/>
-              <a:t>1/2/19</a:t>
+              <a:t>2/22/19</a:t>
             </a:fld>
             <a:endParaRPr lang="en-US"/>
           </a:p>
@@ -3051,7 +3051,7 @@
           <a:p>
             <a:fld id="{786D7086-E99E-E348-AAB1-A6BE00A94F5D}" type="datetimeFigureOut">
               <a:rPr lang="en-US" smtClean="0"/>
-              <a:t>1/2/19</a:t>
+              <a:t>2/22/19</a:t>
             </a:fld>
             <a:endParaRPr lang="en-US"/>
           </a:p>
@@ -3497,8 +3497,8 @@
         </p:blipFill>
         <p:spPr>
           <a:xfrm>
-            <a:off x="6405637" y="4130638"/>
-            <a:ext cx="684033" cy="855041"/>
+            <a:off x="6480831" y="4636197"/>
+            <a:ext cx="533643" cy="667054"/>
           </a:xfrm>
           <a:prstGeom prst="rect">
             <a:avLst/>
@@ -3521,7 +3521,7 @@
         </p:nvCxnSpPr>
         <p:spPr>
           <a:xfrm>
-            <a:off x="4780428" y="4464762"/>
+            <a:off x="4780428" y="4972762"/>
             <a:ext cx="1288164" cy="0"/>
           </a:xfrm>
           <a:prstGeom prst="straightConnector1">
@@ -3564,7 +3564,7 @@
         </p:nvSpPr>
         <p:spPr>
           <a:xfrm>
-            <a:off x="4643501" y="4495903"/>
+            <a:off x="4643501" y="5003903"/>
             <a:ext cx="1425091" cy="261610"/>
           </a:xfrm>
           <a:prstGeom prst="rect">
@@ -3675,51 +3675,6 @@
           </a:p>
         </p:txBody>
       </p:sp>
-      <p:sp>
-        <p:nvSpPr>
-          <p:cNvPr id="43" name="TextBox 42">
-            <a:extLst>
-              <a:ext uri="{FF2B5EF4-FFF2-40B4-BE49-F238E27FC236}">
-                <a16:creationId xmlns:a16="http://schemas.microsoft.com/office/drawing/2014/main" id="{231BD764-A59D-2747-81BB-CA570DEFB34A}"/>
-              </a:ext>
-            </a:extLst>
-          </p:cNvPr>
-          <p:cNvSpPr txBox="1"/>
-          <p:nvPr/>
-        </p:nvSpPr>
-        <p:spPr>
-          <a:xfrm>
-            <a:off x="5873235" y="5018233"/>
-            <a:ext cx="1721528" cy="261610"/>
-          </a:xfrm>
-          <a:prstGeom prst="rect">
-            <a:avLst/>
-          </a:prstGeom>
-          <a:noFill/>
-        </p:spPr>
-        <p:txBody>
-          <a:bodyPr wrap="square" rtlCol="0">
-            <a:spAutoFit/>
-          </a:bodyPr>
-          <a:lstStyle/>
-          <a:p>
-            <a:pPr algn="ctr"/>
-            <a:r>
-              <a:rPr lang="en-US" sz="1100" dirty="0" err="1">
-                <a:solidFill>
-                  <a:schemeClr val="bg1"/>
-                </a:solidFill>
-              </a:rPr>
-              <a:t>ProcessBuildEvents</a:t>
-            </a:r>
-            <a:endParaRPr lang="en-US" sz="1100" dirty="0">
-              <a:solidFill>
-                <a:schemeClr val="bg1"/>
-              </a:solidFill>
-            </a:endParaRPr>
-          </a:p>
-        </p:txBody>
-      </p:sp>
       <p:grpSp>
         <p:nvGrpSpPr>
           <p:cNvPr id="18" name="Group 17">
@@ -3734,7 +3689,7 @@
         </p:nvGrpSpPr>
         <p:grpSpPr>
           <a:xfrm>
-            <a:off x="3336015" y="4173579"/>
+            <a:off x="3336015" y="4681579"/>
             <a:ext cx="1325575" cy="1046211"/>
             <a:chOff x="926789" y="2297618"/>
             <a:chExt cx="1325575" cy="1046211"/>
@@ -3856,8 +3811,8 @@
         </p:blipFill>
         <p:spPr>
           <a:xfrm>
-            <a:off x="3631054" y="2301298"/>
-            <a:ext cx="762000" cy="1092200"/>
+            <a:off x="3682250" y="2265757"/>
+            <a:ext cx="659608" cy="945438"/>
           </a:xfrm>
           <a:prstGeom prst="rect">
             <a:avLst/>
@@ -3892,8 +3847,8 @@
         </p:blipFill>
         <p:spPr>
           <a:xfrm>
-            <a:off x="6369290" y="2389743"/>
-            <a:ext cx="762000" cy="952500"/>
+            <a:off x="6472084" y="3460269"/>
+            <a:ext cx="562711" cy="703389"/>
           </a:xfrm>
           <a:prstGeom prst="rect">
             <a:avLst/>
@@ -4117,8 +4072,8 @@
         </p:nvCxnSpPr>
         <p:spPr>
           <a:xfrm>
-            <a:off x="3988821" y="3518933"/>
-            <a:ext cx="0" cy="510540"/>
+            <a:off x="3988821" y="3376693"/>
+            <a:ext cx="0" cy="1124117"/>
           </a:xfrm>
           <a:prstGeom prst="straightConnector1">
             <a:avLst/>
@@ -4162,8 +4117,8 @@
         </p:nvCxnSpPr>
         <p:spPr>
           <a:xfrm flipV="1">
-            <a:off x="6747653" y="3488496"/>
-            <a:ext cx="0" cy="514473"/>
+            <a:off x="6747653" y="4242833"/>
+            <a:ext cx="0" cy="257977"/>
           </a:xfrm>
           <a:prstGeom prst="straightConnector1">
             <a:avLst/>
@@ -4205,7 +4160,7 @@
         </p:nvSpPr>
         <p:spPr>
           <a:xfrm>
-            <a:off x="6690211" y="3602963"/>
+            <a:off x="6650244" y="4258841"/>
             <a:ext cx="1325575" cy="261610"/>
           </a:xfrm>
           <a:prstGeom prst="rect">
@@ -4245,7 +4200,7 @@
         </p:nvSpPr>
         <p:spPr>
           <a:xfrm>
-            <a:off x="3071694" y="3622344"/>
+            <a:off x="3071694" y="3774744"/>
             <a:ext cx="1325575" cy="261610"/>
           </a:xfrm>
           <a:prstGeom prst="rect">
@@ -4371,7 +4326,7 @@
         <p:spPr>
           <a:xfrm>
             <a:off x="5738191" y="2026934"/>
-            <a:ext cx="2597426" cy="3671501"/>
+            <a:ext cx="2481249" cy="4008106"/>
           </a:xfrm>
           <a:prstGeom prst="rect">
             <a:avLst/>
@@ -4444,6 +4399,87 @@
           </a:p>
         </p:txBody>
       </p:sp>
+      <p:pic>
+        <p:nvPicPr>
+          <p:cNvPr id="26" name="Graphic 25">
+            <a:extLst>
+              <a:ext uri="{FF2B5EF4-FFF2-40B4-BE49-F238E27FC236}">
+                <a16:creationId xmlns:a16="http://schemas.microsoft.com/office/drawing/2014/main" id="{A255BB83-2BDB-2441-87C8-932C87AEDB9B}"/>
+              </a:ext>
+            </a:extLst>
+          </p:cNvPr>
+          <p:cNvPicPr>
+            <a:picLocks noChangeAspect="1"/>
+          </p:cNvPicPr>
+          <p:nvPr/>
+        </p:nvPicPr>
+        <p:blipFill>
+          <a:blip r:embed="rId12">
+            <a:extLst>
+              <a:ext uri="{96DAC541-7B7A-43D3-8B79-37D633B846F1}">
+                <asvg:svgBlip xmlns:asvg="http://schemas.microsoft.com/office/drawing/2016/SVG/main" r:embed="rId13"/>
+              </a:ext>
+            </a:extLst>
+          </a:blip>
+          <a:stretch>
+            <a:fillRect/>
+          </a:stretch>
+        </p:blipFill>
+        <p:spPr>
+          <a:xfrm>
+            <a:off x="6470671" y="2309460"/>
+            <a:ext cx="553964" cy="794016"/>
+          </a:xfrm>
+          <a:prstGeom prst="rect">
+            <a:avLst/>
+          </a:prstGeom>
+        </p:spPr>
+      </p:pic>
+      <p:cxnSp>
+        <p:nvCxnSpPr>
+          <p:cNvPr id="27" name="Straight Arrow Connector 26">
+            <a:extLst>
+              <a:ext uri="{FF2B5EF4-FFF2-40B4-BE49-F238E27FC236}">
+                <a16:creationId xmlns:a16="http://schemas.microsoft.com/office/drawing/2014/main" id="{59C55F39-2E6B-0E4B-8E5F-312727A9F25B}"/>
+              </a:ext>
+            </a:extLst>
+          </p:cNvPr>
+          <p:cNvCxnSpPr>
+            <a:cxnSpLocks/>
+          </p:cNvCxnSpPr>
+          <p:nvPr/>
+        </p:nvCxnSpPr>
+        <p:spPr>
+          <a:xfrm>
+            <a:off x="6747652" y="3147650"/>
+            <a:ext cx="0" cy="242779"/>
+          </a:xfrm>
+          <a:prstGeom prst="straightConnector1">
+            <a:avLst/>
+          </a:prstGeom>
+          <a:ln w="12700">
+            <a:solidFill>
+              <a:srgbClr val="E6ECEF"/>
+            </a:solidFill>
+            <a:headEnd type="none" w="med" len="sm"/>
+            <a:tailEnd type="arrow" w="med" len="sm"/>
+          </a:ln>
+        </p:spPr>
+        <p:style>
+          <a:lnRef idx="1">
+            <a:schemeClr val="accent1"/>
+          </a:lnRef>
+          <a:fillRef idx="0">
+            <a:schemeClr val="accent1"/>
+          </a:fillRef>
+          <a:effectRef idx="0">
+            <a:schemeClr val="accent1"/>
+          </a:effectRef>
+          <a:fontRef idx="minor">
+            <a:schemeClr val="tx1"/>
+          </a:fontRef>
+        </p:style>
+      </p:cxnSp>
     </p:spTree>
     <p:extLst>
       <p:ext uri="{BB962C8B-B14F-4D97-AF65-F5344CB8AC3E}">
